--- a/ppt/Sharks Nony.pptx
+++ b/ppt/Sharks Nony.pptx
@@ -120,6 +120,11 @@
       </a:defRPr>
     </a:lvl9pPr>
   </p:defaultTextStyle>
+  <p:extLst>
+    <p:ext uri="{EFAFB233-063F-42B5-8137-9DF3F51BA10A}">
+      <p15:sldGuideLst xmlns:p15="http://schemas.microsoft.com/office/powerpoint/2012/main"/>
+    </p:ext>
+  </p:extLst>
 </p:presentation>
 </file>
 
@@ -229,6 +234,11 @@
               </a:ln>
               <a:effectLst/>
             </c:spPr>
+            <c:extLst>
+              <c:ext xmlns:c16="http://schemas.microsoft.com/office/drawing/2014/chart" uri="{C3380CC4-5D6E-409C-BE32-E72D297353CC}">
+                <c16:uniqueId val="{00000001-770E-4788-AFD2-AA93B0D516FE}"/>
+              </c:ext>
+            </c:extLst>
           </c:dPt>
           <c:dPt>
             <c:idx val="1"/>
@@ -244,6 +254,11 @@
               </a:ln>
               <a:effectLst/>
             </c:spPr>
+            <c:extLst>
+              <c:ext xmlns:c16="http://schemas.microsoft.com/office/drawing/2014/chart" uri="{C3380CC4-5D6E-409C-BE32-E72D297353CC}">
+                <c16:uniqueId val="{00000003-770E-4788-AFD2-AA93B0D516FE}"/>
+              </c:ext>
+            </c:extLst>
           </c:dPt>
           <c:dPt>
             <c:idx val="2"/>
@@ -259,6 +274,11 @@
               </a:ln>
               <a:effectLst/>
             </c:spPr>
+            <c:extLst>
+              <c:ext xmlns:c16="http://schemas.microsoft.com/office/drawing/2014/chart" uri="{C3380CC4-5D6E-409C-BE32-E72D297353CC}">
+                <c16:uniqueId val="{00000005-770E-4788-AFD2-AA93B0D516FE}"/>
+              </c:ext>
+            </c:extLst>
           </c:dPt>
           <c:dPt>
             <c:idx val="3"/>
@@ -274,6 +294,11 @@
               </a:ln>
               <a:effectLst/>
             </c:spPr>
+            <c:extLst>
+              <c:ext xmlns:c16="http://schemas.microsoft.com/office/drawing/2014/chart" uri="{C3380CC4-5D6E-409C-BE32-E72D297353CC}">
+                <c16:uniqueId val="{00000007-770E-4788-AFD2-AA93B0D516FE}"/>
+              </c:ext>
+            </c:extLst>
           </c:dPt>
           <c:cat>
             <c:strRef>
@@ -2829,6 +2854,11 @@
               </a:ln>
               <a:effectLst/>
             </c:spPr>
+            <c:extLst>
+              <c:ext xmlns:c16="http://schemas.microsoft.com/office/drawing/2014/chart" uri="{C3380CC4-5D6E-409C-BE32-E72D297353CC}">
+                <c16:uniqueId val="{00000009-DECA-4114-B41B-9C91038774CC}"/>
+              </c:ext>
+            </c:extLst>
           </c:dPt>
           <c:dPt>
             <c:idx val="5"/>
@@ -2844,6 +2874,11 @@
               </a:ln>
               <a:effectLst/>
             </c:spPr>
+            <c:extLst>
+              <c:ext xmlns:c16="http://schemas.microsoft.com/office/drawing/2014/chart" uri="{C3380CC4-5D6E-409C-BE32-E72D297353CC}">
+                <c16:uniqueId val="{0000000B-DECA-4114-B41B-9C91038774CC}"/>
+              </c:ext>
+            </c:extLst>
           </c:dPt>
           <c:cat>
             <c:strRef>
@@ -3507,6 +3542,11 @@
               </a:ln>
               <a:effectLst/>
             </c:spPr>
+            <c:extLst>
+              <c:ext xmlns:c16="http://schemas.microsoft.com/office/drawing/2014/chart" uri="{C3380CC4-5D6E-409C-BE32-E72D297353CC}">
+                <c16:uniqueId val="{0000000D-3DE7-4535-80AA-0563132FCB36}"/>
+              </c:ext>
+            </c:extLst>
           </c:dPt>
           <c:dPt>
             <c:idx val="7"/>
@@ -3524,6 +3564,11 @@
               </a:ln>
               <a:effectLst/>
             </c:spPr>
+            <c:extLst>
+              <c:ext xmlns:c16="http://schemas.microsoft.com/office/drawing/2014/chart" uri="{C3380CC4-5D6E-409C-BE32-E72D297353CC}">
+                <c16:uniqueId val="{0000000F-3DE7-4535-80AA-0563132FCB36}"/>
+              </c:ext>
+            </c:extLst>
           </c:dPt>
           <c:dPt>
             <c:idx val="8"/>
@@ -3541,6 +3586,11 @@
               </a:ln>
               <a:effectLst/>
             </c:spPr>
+            <c:extLst>
+              <c:ext xmlns:c16="http://schemas.microsoft.com/office/drawing/2014/chart" uri="{C3380CC4-5D6E-409C-BE32-E72D297353CC}">
+                <c16:uniqueId val="{00000011-3DE7-4535-80AA-0563132FCB36}"/>
+              </c:ext>
+            </c:extLst>
           </c:dPt>
           <c:dPt>
             <c:idx val="9"/>
@@ -3558,6 +3608,11 @@
               </a:ln>
               <a:effectLst/>
             </c:spPr>
+            <c:extLst>
+              <c:ext xmlns:c16="http://schemas.microsoft.com/office/drawing/2014/chart" uri="{C3380CC4-5D6E-409C-BE32-E72D297353CC}">
+                <c16:uniqueId val="{00000013-3DE7-4535-80AA-0563132FCB36}"/>
+              </c:ext>
+            </c:extLst>
           </c:dPt>
           <c:dPt>
             <c:idx val="10"/>
@@ -3575,6 +3630,11 @@
               </a:ln>
               <a:effectLst/>
             </c:spPr>
+            <c:extLst>
+              <c:ext xmlns:c16="http://schemas.microsoft.com/office/drawing/2014/chart" uri="{C3380CC4-5D6E-409C-BE32-E72D297353CC}">
+                <c16:uniqueId val="{00000015-3DE7-4535-80AA-0563132FCB36}"/>
+              </c:ext>
+            </c:extLst>
           </c:dPt>
           <c:dPt>
             <c:idx val="11"/>
@@ -3592,6 +3652,11 @@
               </a:ln>
               <a:effectLst/>
             </c:spPr>
+            <c:extLst>
+              <c:ext xmlns:c16="http://schemas.microsoft.com/office/drawing/2014/chart" uri="{C3380CC4-5D6E-409C-BE32-E72D297353CC}">
+                <c16:uniqueId val="{00000017-3DE7-4535-80AA-0563132FCB36}"/>
+              </c:ext>
+            </c:extLst>
           </c:dPt>
           <c:dPt>
             <c:idx val="12"/>
@@ -3610,6 +3675,11 @@
               </a:ln>
               <a:effectLst/>
             </c:spPr>
+            <c:extLst>
+              <c:ext xmlns:c16="http://schemas.microsoft.com/office/drawing/2014/chart" uri="{C3380CC4-5D6E-409C-BE32-E72D297353CC}">
+                <c16:uniqueId val="{00000019-3DE7-4535-80AA-0563132FCB36}"/>
+              </c:ext>
+            </c:extLst>
           </c:dPt>
           <c:cat>
             <c:strRef>
@@ -5101,41 +5171,44 @@
   <cx:chart>
     <cx:title pos="t" align="ctr" overlay="0">
       <cx:tx>
-        <cx:rich>
-          <a:bodyPr rot="0" spcFirstLastPara="1" vertOverflow="ellipsis" vert="horz" wrap="square" lIns="38100" tIns="19050" rIns="38100" bIns="19050" anchor="ctr" anchorCtr="1" compatLnSpc="0"/>
-          <a:lstStyle/>
-          <a:p>
-            <a:pPr algn="ctr" rtl="0">
-              <a:defRPr sz="1862" b="0" i="0" u="none" strike="noStrike" kern="1200" spc="0" baseline="0">
-                <a:solidFill>
-                  <a:prstClr val="white">
-                    <a:lumMod val="65000"/>
-                    <a:lumOff val="35000"/>
-                  </a:prstClr>
-                </a:solidFill>
-                <a:latin typeface="+mn-lt"/>
-                <a:ea typeface="+mn-ea"/>
-                <a:cs typeface="+mn-cs"/>
-              </a:defRPr>
-            </a:pPr>
-            <a:r>
-              <a:rPr kumimoji="0" lang="en-US" sz="1862" b="0" i="0" u="none" strike="noStrike" kern="1200" cap="none" spc="0" normalizeH="0" baseline="0" noProof="0" dirty="0">
-                <a:ln>
-                  <a:noFill/>
-                </a:ln>
-                <a:solidFill>
-                  <a:prstClr val="black"/>
-                </a:solidFill>
-                <a:effectLst/>
-                <a:uLnTx/>
-                <a:uFillTx/>
-                <a:latin typeface="Century Gothic" panose="020B0502020202020204"/>
-              </a:rPr>
-              <a:t>Sex / Fatal</a:t>
-            </a:r>
-          </a:p>
-        </cx:rich>
+        <cx:txData>
+          <cx:v>Sex / Fatal</cx:v>
+        </cx:txData>
       </cx:tx>
+      <cx:txPr>
+        <a:bodyPr rot="0" spcFirstLastPara="1" vertOverflow="ellipsis" vert="horz" wrap="square" lIns="38100" tIns="19050" rIns="38100" bIns="19050" anchor="ctr" anchorCtr="1" compatLnSpc="0"/>
+        <a:lstStyle/>
+        <a:p>
+          <a:pPr algn="ctr" rtl="0">
+            <a:defRPr sz="1862" b="0" i="0" u="none" strike="noStrike" kern="1200" spc="0" baseline="0">
+              <a:solidFill>
+                <a:prstClr val="white">
+                  <a:lumMod val="65000"/>
+                  <a:lumOff val="35000"/>
+                </a:prstClr>
+              </a:solidFill>
+              <a:latin typeface="+mn-lt"/>
+              <a:ea typeface="+mn-ea"/>
+              <a:cs typeface="+mn-cs"/>
+            </a:defRPr>
+          </a:pPr>
+          <a:r>
+            <a:rPr kumimoji="0" lang="en-US" sz="1862" b="0" i="0" u="none" strike="noStrike" kern="1200" cap="none" spc="0" normalizeH="0" baseline="0" noProof="0" dirty="0">
+              <a:ln>
+                <a:noFill/>
+              </a:ln>
+              <a:solidFill>
+                <a:prstClr val="black"/>
+              </a:solidFill>
+              <a:effectLst/>
+              <a:uLnTx/>
+              <a:uFillTx/>
+              <a:latin typeface="Century Gothic" panose="020B0502020202020204"/>
+            </a:rPr>
+            <a:t>Sex / Fatal</a:t>
+          </a:r>
+        </a:p>
+      </cx:txPr>
     </cx:title>
     <cx:plotArea>
       <cx:plotAreaRegion>
@@ -5231,41 +5304,44 @@
   <cx:chart>
     <cx:title pos="t" align="ctr" overlay="0">
       <cx:tx>
-        <cx:rich>
-          <a:bodyPr rot="0" spcFirstLastPara="1" vertOverflow="ellipsis" vert="horz" wrap="square" lIns="38100" tIns="19050" rIns="38100" bIns="19050" anchor="ctr" anchorCtr="1" compatLnSpc="0"/>
-          <a:lstStyle/>
-          <a:p>
-            <a:pPr algn="ctr" rtl="0">
-              <a:defRPr sz="1862" b="0" i="0" u="none" strike="noStrike" kern="1200" spc="0" baseline="0">
-                <a:solidFill>
-                  <a:prstClr val="white">
-                    <a:lumMod val="65000"/>
-                    <a:lumOff val="35000"/>
-                  </a:prstClr>
-                </a:solidFill>
-                <a:latin typeface="+mn-lt"/>
-                <a:ea typeface="+mn-ea"/>
-                <a:cs typeface="+mn-cs"/>
-              </a:defRPr>
-            </a:pPr>
-            <a:r>
-              <a:rPr kumimoji="0" lang="en-US" sz="1862" b="0" i="0" u="none" strike="noStrike" kern="1200" cap="none" spc="0" normalizeH="0" baseline="0" noProof="0" dirty="0">
-                <a:ln>
-                  <a:noFill/>
-                </a:ln>
-                <a:solidFill>
-                  <a:prstClr val="black"/>
-                </a:solidFill>
-                <a:effectLst/>
-                <a:uLnTx/>
-                <a:uFillTx/>
-                <a:latin typeface="Century Gothic" panose="020B0502020202020204"/>
-              </a:rPr>
-              <a:t>Age in M</a:t>
-            </a:r>
-          </a:p>
-        </cx:rich>
+        <cx:txData>
+          <cx:v>Age in M</cx:v>
+        </cx:txData>
       </cx:tx>
+      <cx:txPr>
+        <a:bodyPr rot="0" spcFirstLastPara="1" vertOverflow="ellipsis" vert="horz" wrap="square" lIns="38100" tIns="19050" rIns="38100" bIns="19050" anchor="ctr" anchorCtr="1" compatLnSpc="0"/>
+        <a:lstStyle/>
+        <a:p>
+          <a:pPr algn="ctr" rtl="0">
+            <a:defRPr sz="1862" b="0" i="0" u="none" strike="noStrike" kern="1200" spc="0" baseline="0">
+              <a:solidFill>
+                <a:prstClr val="white">
+                  <a:lumMod val="65000"/>
+                  <a:lumOff val="35000"/>
+                </a:prstClr>
+              </a:solidFill>
+              <a:latin typeface="+mn-lt"/>
+              <a:ea typeface="+mn-ea"/>
+              <a:cs typeface="+mn-cs"/>
+            </a:defRPr>
+          </a:pPr>
+          <a:r>
+            <a:rPr kumimoji="0" lang="en-US" sz="1862" b="0" i="0" u="none" strike="noStrike" kern="1200" cap="none" spc="0" normalizeH="0" baseline="0" noProof="0" dirty="0">
+              <a:ln>
+                <a:noFill/>
+              </a:ln>
+              <a:solidFill>
+                <a:prstClr val="black"/>
+              </a:solidFill>
+              <a:effectLst/>
+              <a:uLnTx/>
+              <a:uFillTx/>
+              <a:latin typeface="Century Gothic" panose="020B0502020202020204"/>
+            </a:rPr>
+            <a:t>Age in M</a:t>
+          </a:r>
+        </a:p>
+      </cx:txPr>
     </cx:title>
     <cx:plotArea>
       <cx:plotAreaRegion>
@@ -5462,8 +5538,6 @@
           <cx:pt idx="13">M/21/USA</cx:pt>
           <cx:pt idx="14">M/24/USA</cx:pt>
           <cx:pt idx="15">M/18/AUSTRALIA</cx:pt>
-          <cx:pt idx="16"/>
-          <cx:pt idx="17"/>
         </cx:lvl>
       </cx:strDim>
       <cx:numDim type="size">
@@ -5492,41 +5566,44 @@
   <cx:chart>
     <cx:title pos="t" align="ctr" overlay="0">
       <cx:tx>
-        <cx:rich>
-          <a:bodyPr rot="0" spcFirstLastPara="1" vertOverflow="ellipsis" vert="horz" wrap="square" lIns="38100" tIns="19050" rIns="38100" bIns="19050" anchor="ctr" anchorCtr="1" compatLnSpc="0"/>
-          <a:lstStyle/>
-          <a:p>
-            <a:pPr algn="ctr" rtl="0">
-              <a:defRPr sz="1862" b="0" i="0" u="none" strike="noStrike" kern="1200" spc="0" baseline="0">
-                <a:solidFill>
-                  <a:prstClr val="white">
-                    <a:lumMod val="65000"/>
-                    <a:lumOff val="35000"/>
-                  </a:prstClr>
-                </a:solidFill>
-                <a:latin typeface="+mn-lt"/>
-                <a:ea typeface="+mn-ea"/>
-                <a:cs typeface="+mn-cs"/>
-              </a:defRPr>
-            </a:pPr>
-            <a:r>
-              <a:rPr kumimoji="0" lang="en-US" sz="1862" b="0" i="0" u="none" strike="noStrike" kern="1200" cap="none" spc="0" normalizeH="0" baseline="0" noProof="0" dirty="0">
-                <a:ln>
-                  <a:noFill/>
-                </a:ln>
-                <a:solidFill>
-                  <a:prstClr val="black"/>
-                </a:solidFill>
-                <a:effectLst/>
-                <a:uLnTx/>
-                <a:uFillTx/>
-                <a:latin typeface="Century Gothic" panose="020B0502020202020204"/>
-              </a:rPr>
-              <a:t>Sex / Age / Country</a:t>
-            </a:r>
-          </a:p>
-        </cx:rich>
+        <cx:txData>
+          <cx:v>Sex / Age / Country</cx:v>
+        </cx:txData>
       </cx:tx>
+      <cx:txPr>
+        <a:bodyPr rot="0" spcFirstLastPara="1" vertOverflow="ellipsis" vert="horz" wrap="square" lIns="38100" tIns="19050" rIns="38100" bIns="19050" anchor="ctr" anchorCtr="1" compatLnSpc="0"/>
+        <a:lstStyle/>
+        <a:p>
+          <a:pPr algn="ctr" rtl="0">
+            <a:defRPr sz="1862" b="0" i="0" u="none" strike="noStrike" kern="1200" spc="0" baseline="0">
+              <a:solidFill>
+                <a:prstClr val="white">
+                  <a:lumMod val="65000"/>
+                  <a:lumOff val="35000"/>
+                </a:prstClr>
+              </a:solidFill>
+              <a:latin typeface="+mn-lt"/>
+              <a:ea typeface="+mn-ea"/>
+              <a:cs typeface="+mn-cs"/>
+            </a:defRPr>
+          </a:pPr>
+          <a:r>
+            <a:rPr kumimoji="0" lang="en-US" sz="1862" b="0" i="0" u="none" strike="noStrike" kern="1200" cap="none" spc="0" normalizeH="0" baseline="0" noProof="0" dirty="0">
+              <a:ln>
+                <a:noFill/>
+              </a:ln>
+              <a:solidFill>
+                <a:prstClr val="black"/>
+              </a:solidFill>
+              <a:effectLst/>
+              <a:uLnTx/>
+              <a:uFillTx/>
+              <a:latin typeface="Century Gothic" panose="020B0502020202020204"/>
+            </a:rPr>
+            <a:t>Sex / Age / Country</a:t>
+          </a:r>
+        </a:p>
+      </cx:txPr>
     </cx:title>
     <cx:plotArea>
       <cx:plotAreaRegion>
@@ -18145,7 +18222,7 @@
           <a:p>
             <a:fld id="{F5424983-7700-48C3-9E31-94741978F65C}" type="datetimeFigureOut">
               <a:rPr lang="es-ES" smtClean="0"/>
-              <a:t>30/10/2022</a:t>
+              <a:t>01/11/2022</a:t>
             </a:fld>
             <a:endParaRPr lang="es-ES"/>
           </a:p>
@@ -18581,7 +18658,7 @@
           <a:p>
             <a:fld id="{F5424983-7700-48C3-9E31-94741978F65C}" type="datetimeFigureOut">
               <a:rPr lang="es-ES" smtClean="0"/>
-              <a:t>30/10/2022</a:t>
+              <a:t>01/11/2022</a:t>
             </a:fld>
             <a:endParaRPr lang="es-ES"/>
           </a:p>
@@ -18831,7 +18908,7 @@
           <a:p>
             <a:fld id="{F5424983-7700-48C3-9E31-94741978F65C}" type="datetimeFigureOut">
               <a:rPr lang="es-ES" smtClean="0"/>
-              <a:t>30/10/2022</a:t>
+              <a:t>01/11/2022</a:t>
             </a:fld>
             <a:endParaRPr lang="es-ES"/>
           </a:p>
@@ -19139,7 +19216,7 @@
           <a:p>
             <a:fld id="{F5424983-7700-48C3-9E31-94741978F65C}" type="datetimeFigureOut">
               <a:rPr lang="es-ES" smtClean="0"/>
-              <a:t>30/10/2022</a:t>
+              <a:t>01/11/2022</a:t>
             </a:fld>
             <a:endParaRPr lang="es-ES"/>
           </a:p>
@@ -19457,7 +19534,7 @@
           <a:p>
             <a:fld id="{F5424983-7700-48C3-9E31-94741978F65C}" type="datetimeFigureOut">
               <a:rPr lang="es-ES" smtClean="0"/>
-              <a:t>30/10/2022</a:t>
+              <a:t>01/11/2022</a:t>
             </a:fld>
             <a:endParaRPr lang="es-ES"/>
           </a:p>
@@ -19759,7 +19836,7 @@
           <a:p>
             <a:fld id="{F5424983-7700-48C3-9E31-94741978F65C}" type="datetimeFigureOut">
               <a:rPr lang="es-ES" smtClean="0"/>
-              <a:t>30/10/2022</a:t>
+              <a:t>01/11/2022</a:t>
             </a:fld>
             <a:endParaRPr lang="es-ES"/>
           </a:p>
@@ -20126,7 +20203,7 @@
           <a:p>
             <a:fld id="{F5424983-7700-48C3-9E31-94741978F65C}" type="datetimeFigureOut">
               <a:rPr lang="es-ES" smtClean="0"/>
-              <a:t>30/10/2022</a:t>
+              <a:t>01/11/2022</a:t>
             </a:fld>
             <a:endParaRPr lang="es-ES"/>
           </a:p>
@@ -20300,7 +20377,7 @@
           <a:p>
             <a:fld id="{F5424983-7700-48C3-9E31-94741978F65C}" type="datetimeFigureOut">
               <a:rPr lang="es-ES" smtClean="0"/>
-              <a:t>30/10/2022</a:t>
+              <a:t>01/11/2022</a:t>
             </a:fld>
             <a:endParaRPr lang="es-ES"/>
           </a:p>
@@ -20480,7 +20557,7 @@
           <a:p>
             <a:fld id="{F5424983-7700-48C3-9E31-94741978F65C}" type="datetimeFigureOut">
               <a:rPr lang="es-ES" smtClean="0"/>
-              <a:t>30/10/2022</a:t>
+              <a:t>01/11/2022</a:t>
             </a:fld>
             <a:endParaRPr lang="es-ES"/>
           </a:p>
@@ -20650,7 +20727,7 @@
           <a:p>
             <a:fld id="{F5424983-7700-48C3-9E31-94741978F65C}" type="datetimeFigureOut">
               <a:rPr lang="es-ES" smtClean="0"/>
-              <a:t>30/10/2022</a:t>
+              <a:t>01/11/2022</a:t>
             </a:fld>
             <a:endParaRPr lang="es-ES"/>
           </a:p>
@@ -20900,7 +20977,7 @@
           <a:p>
             <a:fld id="{F5424983-7700-48C3-9E31-94741978F65C}" type="datetimeFigureOut">
               <a:rPr lang="es-ES" smtClean="0"/>
-              <a:t>30/10/2022</a:t>
+              <a:t>01/11/2022</a:t>
             </a:fld>
             <a:endParaRPr lang="es-ES"/>
           </a:p>
@@ -21136,7 +21213,7 @@
           <a:p>
             <a:fld id="{F5424983-7700-48C3-9E31-94741978F65C}" type="datetimeFigureOut">
               <a:rPr lang="es-ES" smtClean="0"/>
-              <a:t>30/10/2022</a:t>
+              <a:t>01/11/2022</a:t>
             </a:fld>
             <a:endParaRPr lang="es-ES"/>
           </a:p>
@@ -21518,7 +21595,7 @@
           <a:p>
             <a:fld id="{F5424983-7700-48C3-9E31-94741978F65C}" type="datetimeFigureOut">
               <a:rPr lang="es-ES" smtClean="0"/>
-              <a:t>30/10/2022</a:t>
+              <a:t>01/11/2022</a:t>
             </a:fld>
             <a:endParaRPr lang="es-ES"/>
           </a:p>
@@ -21636,7 +21713,7 @@
           <a:p>
             <a:fld id="{F5424983-7700-48C3-9E31-94741978F65C}" type="datetimeFigureOut">
               <a:rPr lang="es-ES" smtClean="0"/>
-              <a:t>30/10/2022</a:t>
+              <a:t>01/11/2022</a:t>
             </a:fld>
             <a:endParaRPr lang="es-ES"/>
           </a:p>
@@ -21731,7 +21808,7 @@
           <a:p>
             <a:fld id="{F5424983-7700-48C3-9E31-94741978F65C}" type="datetimeFigureOut">
               <a:rPr lang="es-ES" smtClean="0"/>
-              <a:t>30/10/2022</a:t>
+              <a:t>01/11/2022</a:t>
             </a:fld>
             <a:endParaRPr lang="es-ES"/>
           </a:p>
@@ -21986,7 +22063,7 @@
           <a:p>
             <a:fld id="{F5424983-7700-48C3-9E31-94741978F65C}" type="datetimeFigureOut">
               <a:rPr lang="es-ES" smtClean="0"/>
-              <a:t>30/10/2022</a:t>
+              <a:t>01/11/2022</a:t>
             </a:fld>
             <a:endParaRPr lang="es-ES"/>
           </a:p>
@@ -22269,7 +22346,7 @@
           <a:p>
             <a:fld id="{F5424983-7700-48C3-9E31-94741978F65C}" type="datetimeFigureOut">
               <a:rPr lang="es-ES" smtClean="0"/>
-              <a:t>30/10/2022</a:t>
+              <a:t>01/11/2022</a:t>
             </a:fld>
             <a:endParaRPr lang="es-ES"/>
           </a:p>
@@ -22675,7 +22752,7 @@
           <a:p>
             <a:fld id="{F5424983-7700-48C3-9E31-94741978F65C}" type="datetimeFigureOut">
               <a:rPr lang="es-ES" smtClean="0"/>
-              <a:t>30/10/2022</a:t>
+              <a:t>01/11/2022</a:t>
             </a:fld>
             <a:endParaRPr lang="es-ES"/>
           </a:p>
@@ -23460,7 +23537,7 @@
             <p:ph idx="1"/>
             <p:extLst>
               <p:ext uri="{D42A27DB-BD31-4B8C-83A1-F6EECF244321}">
-                <p14:modId xmlns:p14="http://schemas.microsoft.com/office/powerpoint/2010/main" val="1522965823"/>
+                <p14:modId xmlns:p14="http://schemas.microsoft.com/office/powerpoint/2010/main" val="385507408"/>
               </p:ext>
             </p:extLst>
           </p:nvPr>
@@ -23490,7 +23567,7 @@
           <p:nvPr>
             <p:extLst>
               <p:ext uri="{D42A27DB-BD31-4B8C-83A1-F6EECF244321}">
-                <p14:modId xmlns:p14="http://schemas.microsoft.com/office/powerpoint/2010/main" val="2381261609"/>
+                <p14:modId xmlns:p14="http://schemas.microsoft.com/office/powerpoint/2010/main" val="4178776897"/>
               </p:ext>
             </p:extLst>
           </p:nvPr>
@@ -23505,6 +23582,120 @@
           </a:graphicData>
         </a:graphic>
       </p:graphicFrame>
+      <p:sp>
+        <p:nvSpPr>
+          <p:cNvPr id="3" name="CuadroTexto 2">
+            <a:extLst>
+              <a:ext uri="{FF2B5EF4-FFF2-40B4-BE49-F238E27FC236}">
+                <a16:creationId xmlns:a16="http://schemas.microsoft.com/office/drawing/2014/main" id="{0C1F8569-29F0-5963-1C1B-6255C367802C}"/>
+              </a:ext>
+            </a:extLst>
+          </p:cNvPr>
+          <p:cNvSpPr txBox="1"/>
+          <p:nvPr/>
+        </p:nvSpPr>
+        <p:spPr>
+          <a:xfrm>
+            <a:off x="932873" y="4928902"/>
+            <a:ext cx="4433455" cy="1477328"/>
+          </a:xfrm>
+          <a:prstGeom prst="rect">
+            <a:avLst/>
+          </a:prstGeom>
+          <a:solidFill>
+            <a:schemeClr val="lt1">
+              <a:alpha val="64000"/>
+            </a:schemeClr>
+          </a:solidFill>
+          <a:ln>
+            <a:noFill/>
+          </a:ln>
+        </p:spPr>
+        <p:style>
+          <a:lnRef idx="2">
+            <a:schemeClr val="dk1"/>
+          </a:lnRef>
+          <a:fillRef idx="1">
+            <a:schemeClr val="lt1"/>
+          </a:fillRef>
+          <a:effectRef idx="0">
+            <a:schemeClr val="dk1"/>
+          </a:effectRef>
+          <a:fontRef idx="minor">
+            <a:schemeClr val="dk1"/>
+          </a:fontRef>
+        </p:style>
+        <p:txBody>
+          <a:bodyPr wrap="square" rtlCol="0">
+            <a:spAutoFit/>
+          </a:bodyPr>
+          <a:lstStyle/>
+          <a:p>
+            <a:pPr algn="just"/>
+            <a:r>
+              <a:rPr lang="es-ES" dirty="0"/>
+              <a:t>Un 68% de los ataques no fueron letales, mientras que un 22% sí lo fueron. El 10% restante supone ataques de los cuales se desconoce el resultado.</a:t>
+            </a:r>
+          </a:p>
+        </p:txBody>
+      </p:sp>
+      <p:sp>
+        <p:nvSpPr>
+          <p:cNvPr id="4" name="CuadroTexto 3">
+            <a:extLst>
+              <a:ext uri="{FF2B5EF4-FFF2-40B4-BE49-F238E27FC236}">
+                <a16:creationId xmlns:a16="http://schemas.microsoft.com/office/drawing/2014/main" id="{9186B6E0-2929-1AC4-A079-FDD7D0AF277A}"/>
+              </a:ext>
+            </a:extLst>
+          </p:cNvPr>
+          <p:cNvSpPr txBox="1"/>
+          <p:nvPr/>
+        </p:nvSpPr>
+        <p:spPr>
+          <a:xfrm>
+            <a:off x="7000587" y="4928902"/>
+            <a:ext cx="4433455" cy="1200329"/>
+          </a:xfrm>
+          <a:prstGeom prst="rect">
+            <a:avLst/>
+          </a:prstGeom>
+          <a:solidFill>
+            <a:schemeClr val="lt1">
+              <a:alpha val="64000"/>
+            </a:schemeClr>
+          </a:solidFill>
+          <a:ln>
+            <a:noFill/>
+          </a:ln>
+        </p:spPr>
+        <p:style>
+          <a:lnRef idx="2">
+            <a:schemeClr val="dk1"/>
+          </a:lnRef>
+          <a:fillRef idx="1">
+            <a:schemeClr val="lt1"/>
+          </a:fillRef>
+          <a:effectRef idx="0">
+            <a:schemeClr val="dk1"/>
+          </a:effectRef>
+          <a:fontRef idx="minor">
+            <a:schemeClr val="dk1"/>
+          </a:fontRef>
+        </p:style>
+        <p:txBody>
+          <a:bodyPr wrap="square" rtlCol="0">
+            <a:spAutoFit/>
+          </a:bodyPr>
+          <a:lstStyle/>
+          <a:p>
+            <a:pPr algn="just"/>
+            <a:r>
+              <a:rPr lang="es-ES" dirty="0"/>
+              <a:t>Julio (10%), agosto (9%) y septiembre (8%) suponen la temporada de mayor número de ataques. Le siguen junio y enero con un 7%.</a:t>
+            </a:r>
+          </a:p>
+        </p:txBody>
+      </p:sp>
     </p:spTree>
     <p:extLst>
       <p:ext uri="{BB962C8B-B14F-4D97-AF65-F5344CB8AC3E}">
@@ -23665,6 +23856,63 @@
           </a:graphicData>
         </a:graphic>
       </p:graphicFrame>
+      <p:sp>
+        <p:nvSpPr>
+          <p:cNvPr id="3" name="CuadroTexto 2">
+            <a:extLst>
+              <a:ext uri="{FF2B5EF4-FFF2-40B4-BE49-F238E27FC236}">
+                <a16:creationId xmlns:a16="http://schemas.microsoft.com/office/drawing/2014/main" id="{3E5B4C92-79CA-B550-77AA-4B2D75B3A321}"/>
+              </a:ext>
+            </a:extLst>
+          </p:cNvPr>
+          <p:cNvSpPr txBox="1"/>
+          <p:nvPr/>
+        </p:nvSpPr>
+        <p:spPr>
+          <a:xfrm>
+            <a:off x="8391237" y="2646867"/>
+            <a:ext cx="3260436" cy="1477328"/>
+          </a:xfrm>
+          <a:prstGeom prst="rect">
+            <a:avLst/>
+          </a:prstGeom>
+          <a:solidFill>
+            <a:schemeClr val="lt1">
+              <a:alpha val="64000"/>
+            </a:schemeClr>
+          </a:solidFill>
+          <a:ln>
+            <a:noFill/>
+          </a:ln>
+        </p:spPr>
+        <p:style>
+          <a:lnRef idx="2">
+            <a:schemeClr val="dk1"/>
+          </a:lnRef>
+          <a:fillRef idx="1">
+            <a:schemeClr val="lt1"/>
+          </a:fillRef>
+          <a:effectRef idx="0">
+            <a:schemeClr val="dk1"/>
+          </a:effectRef>
+          <a:fontRef idx="minor">
+            <a:schemeClr val="dk1"/>
+          </a:fontRef>
+        </p:style>
+        <p:txBody>
+          <a:bodyPr wrap="square" rtlCol="0">
+            <a:spAutoFit/>
+          </a:bodyPr>
+          <a:lstStyle/>
+          <a:p>
+            <a:pPr algn="just"/>
+            <a:r>
+              <a:rPr lang="es-ES" dirty="0"/>
+              <a:t>La especie más predominante es el tiburón blanco, seguido del tiburón tigre y el tiburón toro (los tres más peligrosos).</a:t>
+            </a:r>
+          </a:p>
+        </p:txBody>
+      </p:sp>
     </p:spTree>
     <p:extLst>
       <p:ext uri="{BB962C8B-B14F-4D97-AF65-F5344CB8AC3E}">
@@ -23825,6 +24073,63 @@
           </a:graphicData>
         </a:graphic>
       </p:graphicFrame>
+      <p:sp>
+        <p:nvSpPr>
+          <p:cNvPr id="3" name="CuadroTexto 2">
+            <a:extLst>
+              <a:ext uri="{FF2B5EF4-FFF2-40B4-BE49-F238E27FC236}">
+                <a16:creationId xmlns:a16="http://schemas.microsoft.com/office/drawing/2014/main" id="{8C2AAF34-3351-C487-BC0C-41C7A2CB1C3B}"/>
+              </a:ext>
+            </a:extLst>
+          </p:cNvPr>
+          <p:cNvSpPr txBox="1"/>
+          <p:nvPr/>
+        </p:nvSpPr>
+        <p:spPr>
+          <a:xfrm>
+            <a:off x="8524588" y="3038039"/>
+            <a:ext cx="2568286" cy="1477328"/>
+          </a:xfrm>
+          <a:prstGeom prst="rect">
+            <a:avLst/>
+          </a:prstGeom>
+          <a:solidFill>
+            <a:schemeClr val="lt1">
+              <a:alpha val="64000"/>
+            </a:schemeClr>
+          </a:solidFill>
+          <a:ln>
+            <a:noFill/>
+          </a:ln>
+        </p:spPr>
+        <p:style>
+          <a:lnRef idx="2">
+            <a:schemeClr val="dk1"/>
+          </a:lnRef>
+          <a:fillRef idx="1">
+            <a:schemeClr val="lt1"/>
+          </a:fillRef>
+          <a:effectRef idx="0">
+            <a:schemeClr val="dk1"/>
+          </a:effectRef>
+          <a:fontRef idx="minor">
+            <a:schemeClr val="dk1"/>
+          </a:fontRef>
+        </p:style>
+        <p:txBody>
+          <a:bodyPr wrap="square" rtlCol="0">
+            <a:spAutoFit/>
+          </a:bodyPr>
+          <a:lstStyle/>
+          <a:p>
+            <a:pPr algn="just"/>
+            <a:r>
+              <a:rPr lang="es-ES" dirty="0"/>
+              <a:t>Los ataques se distribuyen principalmente por USA, Australia y Sudáfrica.</a:t>
+            </a:r>
+          </a:p>
+        </p:txBody>
+      </p:sp>
     </p:spTree>
     <p:extLst>
       <p:ext uri="{BB962C8B-B14F-4D97-AF65-F5344CB8AC3E}">
@@ -23972,13 +24277,13 @@
           <p:nvPr>
             <p:extLst>
               <p:ext uri="{D42A27DB-BD31-4B8C-83A1-F6EECF244321}">
-                <p14:modId xmlns:p14="http://schemas.microsoft.com/office/powerpoint/2010/main" val="391156419"/>
+                <p14:modId xmlns:p14="http://schemas.microsoft.com/office/powerpoint/2010/main" val="1650358324"/>
               </p:ext>
             </p:extLst>
           </p:nvPr>
         </p:nvGraphicFramePr>
         <p:xfrm>
-          <a:off x="665596" y="1957099"/>
+          <a:off x="406978" y="1420382"/>
           <a:ext cx="4700732" cy="3614737"/>
         </p:xfrm>
         <a:graphic>
@@ -24101,6 +24406,63 @@
           <a:p>
             <a:pPr algn="ctr"/>
             <a:endParaRPr lang="es-ES"/>
+          </a:p>
+        </p:txBody>
+      </p:sp>
+      <p:sp>
+        <p:nvSpPr>
+          <p:cNvPr id="4" name="CuadroTexto 3">
+            <a:extLst>
+              <a:ext uri="{FF2B5EF4-FFF2-40B4-BE49-F238E27FC236}">
+                <a16:creationId xmlns:a16="http://schemas.microsoft.com/office/drawing/2014/main" id="{D2D35CDA-5FB5-3F57-D3FD-F8E7C0007ADF}"/>
+              </a:ext>
+            </a:extLst>
+          </p:cNvPr>
+          <p:cNvSpPr txBox="1"/>
+          <p:nvPr/>
+        </p:nvSpPr>
+        <p:spPr>
+          <a:xfrm>
+            <a:off x="175490" y="5058793"/>
+            <a:ext cx="4700732" cy="1754326"/>
+          </a:xfrm>
+          <a:prstGeom prst="rect">
+            <a:avLst/>
+          </a:prstGeom>
+          <a:solidFill>
+            <a:schemeClr val="lt1">
+              <a:alpha val="64000"/>
+            </a:schemeClr>
+          </a:solidFill>
+          <a:ln>
+            <a:noFill/>
+          </a:ln>
+        </p:spPr>
+        <p:style>
+          <a:lnRef idx="2">
+            <a:schemeClr val="dk1"/>
+          </a:lnRef>
+          <a:fillRef idx="1">
+            <a:schemeClr val="lt1"/>
+          </a:fillRef>
+          <a:effectRef idx="0">
+            <a:schemeClr val="dk1"/>
+          </a:effectRef>
+          <a:fontRef idx="minor">
+            <a:schemeClr val="dk1"/>
+          </a:fontRef>
+        </p:style>
+        <p:txBody>
+          <a:bodyPr wrap="square" rtlCol="0">
+            <a:spAutoFit/>
+          </a:bodyPr>
+          <a:lstStyle/>
+          <a:p>
+            <a:pPr algn="just"/>
+            <a:r>
+              <a:rPr lang="es-ES" dirty="0"/>
+              <a:t>Del porcentaje de hombres, un 18% de los ataques fueron fatales mientras que un 55% no lo fue. En el caso de las mujeres, solo un 2% de los ataques fueron letales y el 7% restante no fueron fatales.</a:t>
+            </a:r>
           </a:p>
         </p:txBody>
       </p:sp>
@@ -24251,13 +24613,13 @@
           <p:nvPr>
             <p:extLst>
               <p:ext uri="{D42A27DB-BD31-4B8C-83A1-F6EECF244321}">
-                <p14:modId xmlns:p14="http://schemas.microsoft.com/office/powerpoint/2010/main" val="2946654897"/>
+                <p14:modId xmlns:p14="http://schemas.microsoft.com/office/powerpoint/2010/main" val="2862989918"/>
               </p:ext>
             </p:extLst>
           </p:nvPr>
         </p:nvGraphicFramePr>
         <p:xfrm>
-          <a:off x="665596" y="1957099"/>
+          <a:off x="401780" y="1420382"/>
           <a:ext cx="4700732" cy="3614737"/>
         </p:xfrm>
         <a:graphic>
@@ -24380,6 +24742,63 @@
           <a:p>
             <a:pPr algn="ctr"/>
             <a:endParaRPr lang="es-ES"/>
+          </a:p>
+        </p:txBody>
+      </p:sp>
+      <p:sp>
+        <p:nvSpPr>
+          <p:cNvPr id="4" name="CuadroTexto 3">
+            <a:extLst>
+              <a:ext uri="{FF2B5EF4-FFF2-40B4-BE49-F238E27FC236}">
+                <a16:creationId xmlns:a16="http://schemas.microsoft.com/office/drawing/2014/main" id="{7289FCD4-01C8-3EC1-6DBE-6C19B861ABE7}"/>
+              </a:ext>
+            </a:extLst>
+          </p:cNvPr>
+          <p:cNvSpPr txBox="1"/>
+          <p:nvPr/>
+        </p:nvSpPr>
+        <p:spPr>
+          <a:xfrm>
+            <a:off x="175490" y="5058793"/>
+            <a:ext cx="4700732" cy="1200329"/>
+          </a:xfrm>
+          <a:prstGeom prst="rect">
+            <a:avLst/>
+          </a:prstGeom>
+          <a:solidFill>
+            <a:schemeClr val="lt1">
+              <a:alpha val="64000"/>
+            </a:schemeClr>
+          </a:solidFill>
+          <a:ln>
+            <a:noFill/>
+          </a:ln>
+        </p:spPr>
+        <p:style>
+          <a:lnRef idx="2">
+            <a:schemeClr val="dk1"/>
+          </a:lnRef>
+          <a:fillRef idx="1">
+            <a:schemeClr val="lt1"/>
+          </a:fillRef>
+          <a:effectRef idx="0">
+            <a:schemeClr val="dk1"/>
+          </a:effectRef>
+          <a:fontRef idx="minor">
+            <a:schemeClr val="dk1"/>
+          </a:fontRef>
+        </p:style>
+        <p:txBody>
+          <a:bodyPr wrap="square" rtlCol="0">
+            <a:spAutoFit/>
+          </a:bodyPr>
+          <a:lstStyle/>
+          <a:p>
+            <a:pPr algn="just"/>
+            <a:r>
+              <a:rPr lang="es-ES" dirty="0"/>
+              <a:t>De los hombres afectados, la gran mayoría corresponde al rango de 14-29 años, aunque la gran mayoría que aparece no tienen edad registrada.</a:t>
+            </a:r>
           </a:p>
         </p:txBody>
       </p:sp>
@@ -24556,13 +24975,13 @@
               <p:nvPr>
                 <p:extLst>
                   <p:ext uri="{D42A27DB-BD31-4B8C-83A1-F6EECF244321}">
-                    <p14:modId xmlns:p14="http://schemas.microsoft.com/office/powerpoint/2010/main" val="490767129"/>
+                    <p14:modId xmlns:p14="http://schemas.microsoft.com/office/powerpoint/2010/main" val="2098039043"/>
                   </p:ext>
                 </p:extLst>
               </p:nvPr>
             </p:nvGraphicFramePr>
             <p:xfrm>
-              <a:off x="0" y="1957099"/>
+              <a:off x="92364" y="1065790"/>
               <a:ext cx="5407893" cy="4443701"/>
             </p:xfrm>
             <a:graphic>
@@ -24595,7 +25014,7 @@
             </p:blipFill>
             <p:spPr>
               <a:xfrm>
-                <a:off x="0" y="1957099"/>
+                <a:off x="92364" y="1065790"/>
                 <a:ext cx="5407893" cy="4443701"/>
               </a:xfrm>
               <a:prstGeom prst="rect">
@@ -24656,8 +25075,8 @@
           </a:p>
         </p:txBody>
       </p:sp>
-      <mc:AlternateContent xmlns:mc="http://schemas.openxmlformats.org/markup-compatibility/2006">
-        <mc:Choice xmlns:cx1="http://schemas.microsoft.com/office/drawing/2015/9/8/chartex" Requires="cx1">
+      <mc:AlternateContent xmlns:mc="http://schemas.openxmlformats.org/markup-compatibility/2006" xmlns:cx1="http://schemas.microsoft.com/office/drawing/2015/9/8/chartex">
+        <mc:Choice Requires="cx1">
           <p:graphicFrame>
             <p:nvGraphicFramePr>
               <p:cNvPr id="4" name="Marcador de contenido 5">
@@ -24689,7 +25108,7 @@
             </a:graphic>
           </p:graphicFrame>
         </mc:Choice>
-        <mc:Fallback>
+        <mc:Fallback xmlns="">
           <p:pic>
             <p:nvPicPr>
               <p:cNvPr id="4" name="Marcador de contenido 5">
@@ -24722,6 +25141,63 @@
           </p:pic>
         </mc:Fallback>
       </mc:AlternateContent>
+      <p:sp>
+        <p:nvSpPr>
+          <p:cNvPr id="7" name="CuadroTexto 6">
+            <a:extLst>
+              <a:ext uri="{FF2B5EF4-FFF2-40B4-BE49-F238E27FC236}">
+                <a16:creationId xmlns:a16="http://schemas.microsoft.com/office/drawing/2014/main" id="{4D9B46AF-F0D4-60FC-5753-75D3DC50D2BA}"/>
+              </a:ext>
+            </a:extLst>
+          </p:cNvPr>
+          <p:cNvSpPr txBox="1"/>
+          <p:nvPr/>
+        </p:nvSpPr>
+        <p:spPr>
+          <a:xfrm>
+            <a:off x="159905" y="5679316"/>
+            <a:ext cx="4700732" cy="646331"/>
+          </a:xfrm>
+          <a:prstGeom prst="rect">
+            <a:avLst/>
+          </a:prstGeom>
+          <a:solidFill>
+            <a:schemeClr val="lt1">
+              <a:alpha val="64000"/>
+            </a:schemeClr>
+          </a:solidFill>
+          <a:ln>
+            <a:noFill/>
+          </a:ln>
+        </p:spPr>
+        <p:style>
+          <a:lnRef idx="2">
+            <a:schemeClr val="dk1"/>
+          </a:lnRef>
+          <a:fillRef idx="1">
+            <a:schemeClr val="lt1"/>
+          </a:fillRef>
+          <a:effectRef idx="0">
+            <a:schemeClr val="dk1"/>
+          </a:effectRef>
+          <a:fontRef idx="minor">
+            <a:schemeClr val="dk1"/>
+          </a:fontRef>
+        </p:style>
+        <p:txBody>
+          <a:bodyPr wrap="square" rtlCol="0">
+            <a:spAutoFit/>
+          </a:bodyPr>
+          <a:lstStyle/>
+          <a:p>
+            <a:pPr algn="just"/>
+            <a:r>
+              <a:rPr lang="es-ES" dirty="0"/>
+              <a:t>De estos jóvenes, la mayor parte corresponden a los Estados Unidos.</a:t>
+            </a:r>
+          </a:p>
+        </p:txBody>
+      </p:sp>
     </p:spTree>
     <p:extLst>
       <p:ext uri="{BB962C8B-B14F-4D97-AF65-F5344CB8AC3E}">
@@ -26297,7 +26773,7 @@
             <p:ph idx="1"/>
             <p:extLst>
               <p:ext uri="{D42A27DB-BD31-4B8C-83A1-F6EECF244321}">
-                <p14:modId xmlns:p14="http://schemas.microsoft.com/office/powerpoint/2010/main" val="536004637"/>
+                <p14:modId xmlns:p14="http://schemas.microsoft.com/office/powerpoint/2010/main" val="1740342358"/>
               </p:ext>
             </p:extLst>
           </p:nvPr>
@@ -26327,7 +26803,7 @@
           <p:nvPr>
             <p:extLst>
               <p:ext uri="{D42A27DB-BD31-4B8C-83A1-F6EECF244321}">
-                <p14:modId xmlns:p14="http://schemas.microsoft.com/office/powerpoint/2010/main" val="3513101862"/>
+                <p14:modId xmlns:p14="http://schemas.microsoft.com/office/powerpoint/2010/main" val="672851945"/>
               </p:ext>
             </p:extLst>
           </p:nvPr>
@@ -26342,6 +26818,120 @@
           </a:graphicData>
         </a:graphic>
       </p:graphicFrame>
+      <p:sp>
+        <p:nvSpPr>
+          <p:cNvPr id="3" name="CuadroTexto 2">
+            <a:extLst>
+              <a:ext uri="{FF2B5EF4-FFF2-40B4-BE49-F238E27FC236}">
+                <a16:creationId xmlns:a16="http://schemas.microsoft.com/office/drawing/2014/main" id="{B6E68EB5-0DCD-90B4-8D43-90347EBEAB43}"/>
+              </a:ext>
+            </a:extLst>
+          </p:cNvPr>
+          <p:cNvSpPr txBox="1"/>
+          <p:nvPr/>
+        </p:nvSpPr>
+        <p:spPr>
+          <a:xfrm>
+            <a:off x="932872" y="4891956"/>
+            <a:ext cx="4433455" cy="1477328"/>
+          </a:xfrm>
+          <a:prstGeom prst="rect">
+            <a:avLst/>
+          </a:prstGeom>
+          <a:solidFill>
+            <a:schemeClr val="lt1">
+              <a:alpha val="64000"/>
+            </a:schemeClr>
+          </a:solidFill>
+          <a:ln>
+            <a:noFill/>
+          </a:ln>
+        </p:spPr>
+        <p:style>
+          <a:lnRef idx="2">
+            <a:schemeClr val="dk1"/>
+          </a:lnRef>
+          <a:fillRef idx="1">
+            <a:schemeClr val="lt1"/>
+          </a:fillRef>
+          <a:effectRef idx="0">
+            <a:schemeClr val="dk1"/>
+          </a:effectRef>
+          <a:fontRef idx="minor">
+            <a:schemeClr val="dk1"/>
+          </a:fontRef>
+        </p:style>
+        <p:txBody>
+          <a:bodyPr wrap="square" rtlCol="0">
+            <a:spAutoFit/>
+          </a:bodyPr>
+          <a:lstStyle/>
+          <a:p>
+            <a:pPr algn="just"/>
+            <a:r>
+              <a:rPr lang="es-ES" dirty="0"/>
+              <a:t>Un 81% de los ataques han sido realizados a hombres, mientras que un 10% han sido a mujeres. El 9 % restante es a personas de sexo no declarado en los reportes.</a:t>
+            </a:r>
+          </a:p>
+        </p:txBody>
+      </p:sp>
+      <p:sp>
+        <p:nvSpPr>
+          <p:cNvPr id="4" name="CuadroTexto 3">
+            <a:extLst>
+              <a:ext uri="{FF2B5EF4-FFF2-40B4-BE49-F238E27FC236}">
+                <a16:creationId xmlns:a16="http://schemas.microsoft.com/office/drawing/2014/main" id="{D9655187-C022-932F-30D6-7AF74A48BBFA}"/>
+              </a:ext>
+            </a:extLst>
+          </p:cNvPr>
+          <p:cNvSpPr txBox="1"/>
+          <p:nvPr/>
+        </p:nvSpPr>
+        <p:spPr>
+          <a:xfrm>
+            <a:off x="6959599" y="4753457"/>
+            <a:ext cx="4835237" cy="1754326"/>
+          </a:xfrm>
+          <a:prstGeom prst="rect">
+            <a:avLst/>
+          </a:prstGeom>
+          <a:solidFill>
+            <a:schemeClr val="lt1">
+              <a:alpha val="64000"/>
+            </a:schemeClr>
+          </a:solidFill>
+          <a:ln>
+            <a:noFill/>
+          </a:ln>
+        </p:spPr>
+        <p:style>
+          <a:lnRef idx="2">
+            <a:schemeClr val="dk1"/>
+          </a:lnRef>
+          <a:fillRef idx="1">
+            <a:schemeClr val="lt1"/>
+          </a:fillRef>
+          <a:effectRef idx="0">
+            <a:schemeClr val="dk1"/>
+          </a:effectRef>
+          <a:fontRef idx="minor">
+            <a:schemeClr val="dk1"/>
+          </a:fontRef>
+        </p:style>
+        <p:txBody>
+          <a:bodyPr wrap="square" rtlCol="0">
+            <a:spAutoFit/>
+          </a:bodyPr>
+          <a:lstStyle/>
+          <a:p>
+            <a:pPr algn="just"/>
+            <a:r>
+              <a:rPr lang="es-ES" dirty="0"/>
+              <a:t>Un 73% de los ataques se han realizado sin provocación aparente mientras que un 9% sí lo ha sido. En menor proporción, un 9% corresponde a ataques invalidados, un 4% a desastres marítimos y un 5% de ataques por ir en barco.</a:t>
+            </a:r>
+          </a:p>
+        </p:txBody>
+      </p:sp>
     </p:spTree>
     <p:extLst>
       <p:ext uri="{BB962C8B-B14F-4D97-AF65-F5344CB8AC3E}">

--- a/ppt/Sharks Nony.pptx
+++ b/ppt/Sharks Nony.pptx
@@ -5141,15 +5141,6 @@
           <cx:pt idx="6">Notdeclared/Y</cx:pt>
           <cx:pt idx="7">F/Y</cx:pt>
           <cx:pt idx="8">F/Unknown</cx:pt>
-          <cx:pt idx="9"/>
-          <cx:pt idx="10"/>
-          <cx:pt idx="11"/>
-          <cx:pt idx="12"/>
-          <cx:pt idx="13"/>
-          <cx:pt idx="14"/>
-          <cx:pt idx="15"/>
-          <cx:pt idx="16"/>
-          <cx:pt idx="17"/>
         </cx:lvl>
       </cx:strDim>
       <cx:numDim type="size">
@@ -23374,7 +23365,7 @@
           <a:p>
             <a:r>
               <a:rPr lang="es-ES" dirty="0"/>
-              <a:t>Jonatan Quintana</a:t>
+              <a:t>Jonatan Quintana Checa</a:t>
             </a:r>
           </a:p>
         </p:txBody>
@@ -24292,8 +24283,8 @@
           </a:graphicData>
         </a:graphic>
       </p:graphicFrame>
-      <mc:AlternateContent xmlns:mc="http://schemas.openxmlformats.org/markup-compatibility/2006">
-        <mc:Choice xmlns:cx1="http://schemas.microsoft.com/office/drawing/2015/9/8/chartex" Requires="cx1">
+      <mc:AlternateContent xmlns:mc="http://schemas.openxmlformats.org/markup-compatibility/2006" xmlns:cx1="http://schemas.microsoft.com/office/drawing/2015/9/8/chartex">
+        <mc:Choice Requires="cx1">
           <p:graphicFrame>
             <p:nvGraphicFramePr>
               <p:cNvPr id="5" name="Marcador de contenido 5">
@@ -24325,7 +24316,7 @@
             </a:graphic>
           </p:graphicFrame>
         </mc:Choice>
-        <mc:Fallback>
+        <mc:Fallback xmlns="">
           <p:pic>
             <p:nvPicPr>
               <p:cNvPr id="5" name="Marcador de contenido 5">
@@ -24628,8 +24619,8 @@
           </a:graphicData>
         </a:graphic>
       </p:graphicFrame>
-      <mc:AlternateContent xmlns:mc="http://schemas.openxmlformats.org/markup-compatibility/2006">
-        <mc:Choice xmlns:cx1="http://schemas.microsoft.com/office/drawing/2015/9/8/chartex" Requires="cx1">
+      <mc:AlternateContent xmlns:mc="http://schemas.openxmlformats.org/markup-compatibility/2006" xmlns:cx1="http://schemas.microsoft.com/office/drawing/2015/9/8/chartex">
+        <mc:Choice Requires="cx1">
           <p:graphicFrame>
             <p:nvGraphicFramePr>
               <p:cNvPr id="5" name="Marcador de contenido 5">
@@ -24661,7 +24652,7 @@
             </a:graphic>
           </p:graphicFrame>
         </mc:Choice>
-        <mc:Fallback>
+        <mc:Fallback xmlns="">
           <p:pic>
             <p:nvPicPr>
               <p:cNvPr id="5" name="Marcador de contenido 5">
@@ -24958,8 +24949,8 @@
           </a:graphicData>
         </a:graphic>
       </p:graphicFrame>
-      <mc:AlternateContent xmlns:mc="http://schemas.openxmlformats.org/markup-compatibility/2006">
-        <mc:Choice xmlns:cx1="http://schemas.microsoft.com/office/drawing/2015/9/8/chartex" Requires="cx1">
+      <mc:AlternateContent xmlns:mc="http://schemas.openxmlformats.org/markup-compatibility/2006" xmlns:cx1="http://schemas.microsoft.com/office/drawing/2015/9/8/chartex">
+        <mc:Choice Requires="cx1">
           <p:graphicFrame>
             <p:nvGraphicFramePr>
               <p:cNvPr id="5" name="Marcador de contenido 5">
@@ -24991,7 +24982,7 @@
             </a:graphic>
           </p:graphicFrame>
         </mc:Choice>
-        <mc:Fallback>
+        <mc:Fallback xmlns="">
           <p:pic>
             <p:nvPicPr>
               <p:cNvPr id="5" name="Marcador de contenido 5">
